--- a/pre/final/5.9_mid_report.pptx
+++ b/pre/final/5.9_mid_report.pptx
@@ -15613,31 +15613,7 @@
                 <a:latin typeface="Arial" panose="020B0604020202020204" pitchFamily="34" charset="0"/>
                 <a:cs typeface="Arial" panose="020B0604020202020204" pitchFamily="34" charset="0"/>
               </a:rPr>
-              <a:t>5: 3x3 </a:t>
-            </a:r>
-            <a:r>
-              <a:rPr lang="en-US" altLang="zh-CN" sz="2000" b="1" dirty="0" err="1">
-                <a:solidFill>
-                  <a:schemeClr val="accent4">
-                    <a:lumMod val="75000"/>
-                  </a:schemeClr>
-                </a:solidFill>
-                <a:latin typeface="Arial" panose="020B0604020202020204" pitchFamily="34" charset="0"/>
-                <a:cs typeface="Arial" panose="020B0604020202020204" pitchFamily="34" charset="0"/>
-              </a:rPr>
-              <a:t>depthwise</a:t>
-            </a:r>
-            <a:r>
-              <a:rPr lang="en-US" altLang="zh-CN" sz="2000" b="1" dirty="0">
-                <a:solidFill>
-                  <a:schemeClr val="accent4">
-                    <a:lumMod val="75000"/>
-                  </a:schemeClr>
-                </a:solidFill>
-                <a:latin typeface="Arial" panose="020B0604020202020204" pitchFamily="34" charset="0"/>
-                <a:cs typeface="Arial" panose="020B0604020202020204" pitchFamily="34" charset="0"/>
-              </a:rPr>
-              <a:t>-separable conv</a:t>
+              <a:t>5: 3x3 depthwise-separable conv</a:t>
             </a:r>
           </a:p>
           <a:p>
@@ -21614,21 +21590,7 @@
                 <a:latin typeface="Arial" panose="020B0604020202020204" pitchFamily="34" charset="0"/>
                 <a:cs typeface="Arial" panose="020B0604020202020204" pitchFamily="34" charset="0"/>
               </a:rPr>
-              <a:t>When using </a:t>
-            </a:r>
-            <a:r>
-              <a:rPr lang="en-US" altLang="zh-CN" dirty="0" err="1">
-                <a:latin typeface="Arial" panose="020B0604020202020204" pitchFamily="34" charset="0"/>
-                <a:cs typeface="Arial" panose="020B0604020202020204" pitchFamily="34" charset="0"/>
-              </a:rPr>
-              <a:t>depthwise</a:t>
-            </a:r>
-            <a:r>
-              <a:rPr lang="en-US" altLang="zh-CN" dirty="0">
-                <a:latin typeface="Arial" panose="020B0604020202020204" pitchFamily="34" charset="0"/>
-                <a:cs typeface="Arial" panose="020B0604020202020204" pitchFamily="34" charset="0"/>
-              </a:rPr>
-              <a:t> </a:t>
+              <a:t>When using depthwise </a:t>
             </a:r>
             <a:r>
               <a:rPr lang="en-US" altLang="zh-CN" dirty="0" err="1">
